--- a/Rapport/PowerPoint.pptx
+++ b/Rapport/PowerPoint.pptx
@@ -125,6 +125,9 @@
     <p:ext uri="{EFAFB233-063F-42B5-8137-9DF3F51BA10A}">
       <p15:sldGuideLst xmlns:p15="http://schemas.microsoft.com/office/powerpoint/2012/main"/>
     </p:ext>
+    <p:ext uri="{2D200454-40CA-4A62-9FC3-DE9A4176ACB9}">
+      <p15:notesGuideLst xmlns:p15="http://schemas.microsoft.com/office/powerpoint/2012/main"/>
+    </p:ext>
   </p:extLst>
 </p:presentation>
 </file>
@@ -758,7 +761,7 @@
           <a:p>
             <a:r>
               <a:rPr lang="fr-FR" dirty="0"/>
-              <a:t>Application de la convolution spatial sur X puis sur Y en calculant le gradient qui doit être inférieur à 255</a:t>
+              <a:t>Application de la convolution spatial sur X puis sur Y en calculant la norme du gradient qui doit être inférieur à 255</a:t>
             </a:r>
           </a:p>
         </p:txBody>
@@ -857,7 +860,7 @@
           <a:p>
             <a:r>
               <a:rPr lang="fr-FR" dirty="0"/>
-              <a:t>Application de la convolution spatial sur X puis sur Y en calculant le gradient qui doit être inférieur à 255</a:t>
+              <a:t>Application de la convolution spatial sur X puis sur Y en calculant la norme gradient qui doit être inférieur à 255</a:t>
             </a:r>
           </a:p>
           <a:p>
